--- a/Presentation.pptx
+++ b/Presentation.pptx
@@ -8,13 +8,14 @@
     <p:sldId id="256" r:id="rId2"/>
     <p:sldId id="262" r:id="rId3"/>
     <p:sldId id="259" r:id="rId4"/>
-    <p:sldId id="258" r:id="rId5"/>
-    <p:sldId id="260" r:id="rId6"/>
-    <p:sldId id="263" r:id="rId7"/>
+    <p:sldId id="263" r:id="rId5"/>
+    <p:sldId id="258" r:id="rId6"/>
+    <p:sldId id="260" r:id="rId7"/>
     <p:sldId id="261" r:id="rId8"/>
     <p:sldId id="264" r:id="rId9"/>
     <p:sldId id="265" r:id="rId10"/>
-    <p:sldId id="257" r:id="rId11"/>
+    <p:sldId id="266" r:id="rId11"/>
+    <p:sldId id="257" r:id="rId12"/>
   </p:sldIdLst>
   <p:sldSz cx="12192000" cy="6858000"/>
   <p:notesSz cx="6858000" cy="9144000"/>
@@ -252,7 +253,7 @@
           <a:p>
             <a:fld id="{A16A08F2-9A83-0943-A224-E43B8246E29B}" type="datetimeFigureOut">
               <a:rPr lang="en-US" smtClean="0"/>
-              <a:t>12/7/15</a:t>
+              <a:t>12/8/15</a:t>
             </a:fld>
             <a:endParaRPr lang="en-US"/>
           </a:p>
@@ -422,7 +423,7 @@
           <a:p>
             <a:fld id="{A16A08F2-9A83-0943-A224-E43B8246E29B}" type="datetimeFigureOut">
               <a:rPr lang="en-US" smtClean="0"/>
-              <a:t>12/7/15</a:t>
+              <a:t>12/8/15</a:t>
             </a:fld>
             <a:endParaRPr lang="en-US"/>
           </a:p>
@@ -602,7 +603,7 @@
           <a:p>
             <a:fld id="{A16A08F2-9A83-0943-A224-E43B8246E29B}" type="datetimeFigureOut">
               <a:rPr lang="en-US" smtClean="0"/>
-              <a:t>12/7/15</a:t>
+              <a:t>12/8/15</a:t>
             </a:fld>
             <a:endParaRPr lang="en-US"/>
           </a:p>
@@ -772,7 +773,7 @@
           <a:p>
             <a:fld id="{A16A08F2-9A83-0943-A224-E43B8246E29B}" type="datetimeFigureOut">
               <a:rPr lang="en-US" smtClean="0"/>
-              <a:t>12/7/15</a:t>
+              <a:t>12/8/15</a:t>
             </a:fld>
             <a:endParaRPr lang="en-US"/>
           </a:p>
@@ -1018,7 +1019,7 @@
           <a:p>
             <a:fld id="{A16A08F2-9A83-0943-A224-E43B8246E29B}" type="datetimeFigureOut">
               <a:rPr lang="en-US" smtClean="0"/>
-              <a:t>12/7/15</a:t>
+              <a:t>12/8/15</a:t>
             </a:fld>
             <a:endParaRPr lang="en-US"/>
           </a:p>
@@ -1250,7 +1251,7 @@
           <a:p>
             <a:fld id="{A16A08F2-9A83-0943-A224-E43B8246E29B}" type="datetimeFigureOut">
               <a:rPr lang="en-US" smtClean="0"/>
-              <a:t>12/7/15</a:t>
+              <a:t>12/8/15</a:t>
             </a:fld>
             <a:endParaRPr lang="en-US"/>
           </a:p>
@@ -1617,7 +1618,7 @@
           <a:p>
             <a:fld id="{A16A08F2-9A83-0943-A224-E43B8246E29B}" type="datetimeFigureOut">
               <a:rPr lang="en-US" smtClean="0"/>
-              <a:t>12/7/15</a:t>
+              <a:t>12/8/15</a:t>
             </a:fld>
             <a:endParaRPr lang="en-US"/>
           </a:p>
@@ -1735,7 +1736,7 @@
           <a:p>
             <a:fld id="{A16A08F2-9A83-0943-A224-E43B8246E29B}" type="datetimeFigureOut">
               <a:rPr lang="en-US" smtClean="0"/>
-              <a:t>12/7/15</a:t>
+              <a:t>12/8/15</a:t>
             </a:fld>
             <a:endParaRPr lang="en-US"/>
           </a:p>
@@ -1830,7 +1831,7 @@
           <a:p>
             <a:fld id="{A16A08F2-9A83-0943-A224-E43B8246E29B}" type="datetimeFigureOut">
               <a:rPr lang="en-US" smtClean="0"/>
-              <a:t>12/7/15</a:t>
+              <a:t>12/8/15</a:t>
             </a:fld>
             <a:endParaRPr lang="en-US"/>
           </a:p>
@@ -2107,7 +2108,7 @@
           <a:p>
             <a:fld id="{A16A08F2-9A83-0943-A224-E43B8246E29B}" type="datetimeFigureOut">
               <a:rPr lang="en-US" smtClean="0"/>
-              <a:t>12/7/15</a:t>
+              <a:t>12/8/15</a:t>
             </a:fld>
             <a:endParaRPr lang="en-US"/>
           </a:p>
@@ -2360,7 +2361,7 @@
           <a:p>
             <a:fld id="{A16A08F2-9A83-0943-A224-E43B8246E29B}" type="datetimeFigureOut">
               <a:rPr lang="en-US" smtClean="0"/>
-              <a:t>12/7/15</a:t>
+              <a:t>12/8/15</a:t>
             </a:fld>
             <a:endParaRPr lang="en-US"/>
           </a:p>
@@ -2573,7 +2574,7 @@
           <a:p>
             <a:fld id="{A16A08F2-9A83-0943-A224-E43B8246E29B}" type="datetimeFigureOut">
               <a:rPr lang="en-US" smtClean="0"/>
-              <a:t>12/7/15</a:t>
+              <a:t>12/8/15</a:t>
             </a:fld>
             <a:endParaRPr lang="en-US"/>
           </a:p>
@@ -3076,6 +3077,211 @@
 <file path=ppt/slides/slide10.xml><?xml version="1.0" encoding="utf-8"?>
 <p:sld xmlns:a="http://schemas.openxmlformats.org/drawingml/2006/main" xmlns:r="http://schemas.openxmlformats.org/officeDocument/2006/relationships" xmlns:p="http://schemas.openxmlformats.org/presentationml/2006/main">
   <p:cSld>
+    <p:bg>
+      <p:bgPr>
+        <a:solidFill>
+          <a:srgbClr val="123634"/>
+        </a:solidFill>
+        <a:effectLst/>
+      </p:bgPr>
+    </p:bg>
+    <p:spTree>
+      <p:nvGrpSpPr>
+        <p:cNvPr id="1" name=""/>
+        <p:cNvGrpSpPr/>
+        <p:nvPr/>
+      </p:nvGrpSpPr>
+      <p:grpSpPr>
+        <a:xfrm>
+          <a:off x="0" y="0"/>
+          <a:ext cx="0" cy="0"/>
+          <a:chOff x="0" y="0"/>
+          <a:chExt cx="0" cy="0"/>
+        </a:xfrm>
+      </p:grpSpPr>
+      <p:sp>
+        <p:nvSpPr>
+          <p:cNvPr id="2" name="TextBox 1"/>
+          <p:cNvSpPr txBox="1"/>
+          <p:nvPr/>
+        </p:nvSpPr>
+        <p:spPr>
+          <a:xfrm>
+            <a:off x="2033333" y="721899"/>
+            <a:ext cx="7988968" cy="707886"/>
+          </a:xfrm>
+          <a:prstGeom prst="rect">
+            <a:avLst/>
+          </a:prstGeom>
+          <a:noFill/>
+        </p:spPr>
+        <p:txBody>
+          <a:bodyPr wrap="square" rtlCol="0">
+            <a:spAutoFit/>
+          </a:bodyPr>
+          <a:lstStyle/>
+          <a:p>
+            <a:pPr algn="ctr"/>
+            <a:r>
+              <a:rPr lang="en-US" sz="4000" dirty="0" smtClean="0">
+                <a:solidFill>
+                  <a:schemeClr val="bg1"/>
+                </a:solidFill>
+                <a:latin typeface="Century Schoolbook" charset="0"/>
+                <a:ea typeface="Century Schoolbook" charset="0"/>
+                <a:cs typeface="Century Schoolbook" charset="0"/>
+              </a:rPr>
+              <a:t>Future Research</a:t>
+            </a:r>
+            <a:endParaRPr lang="en-US" sz="4000" dirty="0">
+              <a:solidFill>
+                <a:schemeClr val="bg1"/>
+              </a:solidFill>
+              <a:latin typeface="Century Schoolbook" charset="0"/>
+              <a:ea typeface="Century Schoolbook" charset="0"/>
+              <a:cs typeface="Century Schoolbook" charset="0"/>
+            </a:endParaRPr>
+          </a:p>
+        </p:txBody>
+      </p:sp>
+      <p:sp>
+        <p:nvSpPr>
+          <p:cNvPr id="3" name="TextBox 2"/>
+          <p:cNvSpPr txBox="1"/>
+          <p:nvPr/>
+        </p:nvSpPr>
+        <p:spPr>
+          <a:xfrm>
+            <a:off x="806116" y="2899611"/>
+            <a:ext cx="10792326" cy="1200329"/>
+          </a:xfrm>
+          <a:prstGeom prst="rect">
+            <a:avLst/>
+          </a:prstGeom>
+          <a:noFill/>
+        </p:spPr>
+        <p:txBody>
+          <a:bodyPr wrap="square" rtlCol="0">
+            <a:spAutoFit/>
+          </a:bodyPr>
+          <a:lstStyle/>
+          <a:p>
+            <a:pPr marL="285750" indent="-285750">
+              <a:buFont typeface="Arial" charset="0"/>
+              <a:buChar char="•"/>
+            </a:pPr>
+            <a:r>
+              <a:rPr lang="en-US" sz="2400" dirty="0" smtClean="0">
+                <a:solidFill>
+                  <a:schemeClr val="bg1"/>
+                </a:solidFill>
+                <a:latin typeface="Century Schoolbook" charset="0"/>
+                <a:ea typeface="Century Schoolbook" charset="0"/>
+                <a:cs typeface="Century Schoolbook" charset="0"/>
+              </a:rPr>
+              <a:t>Deploying</a:t>
+            </a:r>
+            <a:r>
+              <a:rPr lang="en-US" sz="2400" dirty="0" smtClean="0">
+                <a:solidFill>
+                  <a:schemeClr val="bg1"/>
+                </a:solidFill>
+                <a:latin typeface="Century Schoolbook" charset="0"/>
+                <a:ea typeface="Century Schoolbook" charset="0"/>
+                <a:cs typeface="Century Schoolbook" charset="0"/>
+              </a:rPr>
+              <a:t> the application to </a:t>
+            </a:r>
+            <a:r>
+              <a:rPr lang="en-US" sz="2400" dirty="0" err="1" smtClean="0">
+                <a:solidFill>
+                  <a:schemeClr val="bg1"/>
+                </a:solidFill>
+                <a:latin typeface="Century Schoolbook" charset="0"/>
+                <a:ea typeface="Century Schoolbook" charset="0"/>
+                <a:cs typeface="Century Schoolbook" charset="0"/>
+              </a:rPr>
+              <a:t>bokeh</a:t>
+            </a:r>
+            <a:r>
+              <a:rPr lang="en-US" sz="2400" dirty="0" smtClean="0">
+                <a:solidFill>
+                  <a:schemeClr val="bg1"/>
+                </a:solidFill>
+                <a:latin typeface="Century Schoolbook" charset="0"/>
+                <a:ea typeface="Century Schoolbook" charset="0"/>
+                <a:cs typeface="Century Schoolbook" charset="0"/>
+              </a:rPr>
+              <a:t> server</a:t>
+            </a:r>
+          </a:p>
+          <a:p>
+            <a:pPr marL="285750" indent="-285750">
+              <a:buFont typeface="Arial" charset="0"/>
+              <a:buChar char="•"/>
+            </a:pPr>
+            <a:r>
+              <a:rPr lang="en-US" sz="2400" dirty="0" smtClean="0">
+                <a:solidFill>
+                  <a:schemeClr val="bg1"/>
+                </a:solidFill>
+                <a:latin typeface="Century Schoolbook" charset="0"/>
+                <a:ea typeface="Century Schoolbook" charset="0"/>
+                <a:cs typeface="Century Schoolbook" charset="0"/>
+              </a:rPr>
+              <a:t>Add advanced functionality for time </a:t>
+            </a:r>
+            <a:r>
+              <a:rPr lang="en-US" sz="2400" smtClean="0">
+                <a:solidFill>
+                  <a:schemeClr val="bg1"/>
+                </a:solidFill>
+                <a:latin typeface="Century Schoolbook" charset="0"/>
+                <a:ea typeface="Century Schoolbook" charset="0"/>
+                <a:cs typeface="Century Schoolbook" charset="0"/>
+              </a:rPr>
+              <a:t>series analysis</a:t>
+            </a:r>
+          </a:p>
+          <a:p>
+            <a:pPr marL="285750" indent="-285750">
+              <a:buFont typeface="Arial" charset="0"/>
+              <a:buChar char="•"/>
+            </a:pPr>
+            <a:endParaRPr lang="en-US" sz="2400" dirty="0">
+              <a:solidFill>
+                <a:schemeClr val="bg1"/>
+              </a:solidFill>
+              <a:latin typeface="Century Schoolbook" charset="0"/>
+              <a:ea typeface="Century Schoolbook" charset="0"/>
+              <a:cs typeface="Century Schoolbook" charset="0"/>
+            </a:endParaRPr>
+          </a:p>
+        </p:txBody>
+      </p:sp>
+    </p:spTree>
+    <p:extLst>
+      <p:ext uri="{BB962C8B-B14F-4D97-AF65-F5344CB8AC3E}">
+        <p14:creationId xmlns:p14="http://schemas.microsoft.com/office/powerpoint/2010/main" val="1749730253"/>
+      </p:ext>
+    </p:extLst>
+  </p:cSld>
+  <p:clrMapOvr>
+    <a:masterClrMapping/>
+  </p:clrMapOvr>
+  <p:timing>
+    <p:tnLst>
+      <p:par>
+        <p:cTn id="1" dur="indefinite" restart="never" nodeType="tmRoot"/>
+      </p:par>
+    </p:tnLst>
+  </p:timing>
+</p:sld>
+</file>
+
+<file path=ppt/slides/slide11.xml><?xml version="1.0" encoding="utf-8"?>
+<p:sld xmlns:a="http://schemas.openxmlformats.org/drawingml/2006/main" xmlns:r="http://schemas.openxmlformats.org/officeDocument/2006/relationships" xmlns:p="http://schemas.openxmlformats.org/presentationml/2006/main">
+  <p:cSld>
     <p:spTree>
       <p:nvGrpSpPr>
         <p:cNvPr id="1" name=""/>
@@ -3673,6 +3879,205 @@
 <file path=ppt/slides/slide4.xml><?xml version="1.0" encoding="utf-8"?>
 <p:sld xmlns:a="http://schemas.openxmlformats.org/drawingml/2006/main" xmlns:r="http://schemas.openxmlformats.org/officeDocument/2006/relationships" xmlns:p="http://schemas.openxmlformats.org/presentationml/2006/main">
   <p:cSld>
+    <p:bg>
+      <p:bgPr>
+        <a:solidFill>
+          <a:srgbClr val="123634"/>
+        </a:solidFill>
+        <a:effectLst/>
+      </p:bgPr>
+    </p:bg>
+    <p:spTree>
+      <p:nvGrpSpPr>
+        <p:cNvPr id="1" name=""/>
+        <p:cNvGrpSpPr/>
+        <p:nvPr/>
+      </p:nvGrpSpPr>
+      <p:grpSpPr>
+        <a:xfrm>
+          <a:off x="0" y="0"/>
+          <a:ext cx="0" cy="0"/>
+          <a:chOff x="0" y="0"/>
+          <a:chExt cx="0" cy="0"/>
+        </a:xfrm>
+      </p:grpSpPr>
+      <p:sp>
+        <p:nvSpPr>
+          <p:cNvPr id="2" name="TextBox 1"/>
+          <p:cNvSpPr txBox="1"/>
+          <p:nvPr/>
+        </p:nvSpPr>
+        <p:spPr>
+          <a:xfrm>
+            <a:off x="2033333" y="721899"/>
+            <a:ext cx="7988968" cy="707886"/>
+          </a:xfrm>
+          <a:prstGeom prst="rect">
+            <a:avLst/>
+          </a:prstGeom>
+          <a:noFill/>
+        </p:spPr>
+        <p:txBody>
+          <a:bodyPr wrap="square" rtlCol="0">
+            <a:spAutoFit/>
+          </a:bodyPr>
+          <a:lstStyle/>
+          <a:p>
+            <a:pPr algn="ctr"/>
+            <a:r>
+              <a:rPr lang="en-US" sz="4000" dirty="0" smtClean="0">
+                <a:solidFill>
+                  <a:schemeClr val="bg1"/>
+                </a:solidFill>
+                <a:latin typeface="Century Schoolbook" charset="0"/>
+                <a:ea typeface="Century Schoolbook" charset="0"/>
+                <a:cs typeface="Century Schoolbook" charset="0"/>
+              </a:rPr>
+              <a:t>Challenge Restatement</a:t>
+            </a:r>
+            <a:endParaRPr lang="en-US" sz="4000" dirty="0">
+              <a:solidFill>
+                <a:schemeClr val="bg1"/>
+              </a:solidFill>
+              <a:latin typeface="Century Schoolbook" charset="0"/>
+              <a:ea typeface="Century Schoolbook" charset="0"/>
+              <a:cs typeface="Century Schoolbook" charset="0"/>
+            </a:endParaRPr>
+          </a:p>
+        </p:txBody>
+      </p:sp>
+      <p:sp>
+        <p:nvSpPr>
+          <p:cNvPr id="3" name="TextBox 2"/>
+          <p:cNvSpPr txBox="1"/>
+          <p:nvPr/>
+        </p:nvSpPr>
+        <p:spPr>
+          <a:xfrm>
+            <a:off x="806116" y="2899611"/>
+            <a:ext cx="10792326" cy="1569660"/>
+          </a:xfrm>
+          <a:prstGeom prst="rect">
+            <a:avLst/>
+          </a:prstGeom>
+          <a:noFill/>
+        </p:spPr>
+        <p:txBody>
+          <a:bodyPr wrap="square" rtlCol="0">
+            <a:spAutoFit/>
+          </a:bodyPr>
+          <a:lstStyle/>
+          <a:p>
+            <a:pPr marL="285750" indent="-285750">
+              <a:buFont typeface="Arial" charset="0"/>
+              <a:buChar char="•"/>
+            </a:pPr>
+            <a:r>
+              <a:rPr lang="en-US" sz="2400" dirty="0" smtClean="0">
+                <a:solidFill>
+                  <a:schemeClr val="bg1"/>
+                </a:solidFill>
+                <a:latin typeface="Century Schoolbook" charset="0"/>
+                <a:ea typeface="Century Schoolbook" charset="0"/>
+                <a:cs typeface="Century Schoolbook" charset="0"/>
+              </a:rPr>
+              <a:t>Re-build </a:t>
+            </a:r>
+            <a:r>
+              <a:rPr lang="en-US" sz="2400" dirty="0" err="1" smtClean="0">
+                <a:solidFill>
+                  <a:schemeClr val="bg1"/>
+                </a:solidFill>
+                <a:latin typeface="Century Schoolbook" charset="0"/>
+                <a:ea typeface="Century Schoolbook" charset="0"/>
+                <a:cs typeface="Century Schoolbook" charset="0"/>
+              </a:rPr>
+              <a:t>seistool</a:t>
+            </a:r>
+            <a:r>
+              <a:rPr lang="en-US" sz="2400" dirty="0" smtClean="0">
+                <a:solidFill>
+                  <a:schemeClr val="bg1"/>
+                </a:solidFill>
+                <a:latin typeface="Century Schoolbook" charset="0"/>
+                <a:ea typeface="Century Schoolbook" charset="0"/>
+                <a:cs typeface="Century Schoolbook" charset="0"/>
+              </a:rPr>
+              <a:t> as a web based application to enable visualization and analysis of earthquake data.</a:t>
+            </a:r>
+          </a:p>
+          <a:p>
+            <a:pPr marL="285750" indent="-285750">
+              <a:buFont typeface="Arial" charset="0"/>
+              <a:buChar char="•"/>
+            </a:pPr>
+            <a:r>
+              <a:rPr lang="en-US" sz="2400" dirty="0" smtClean="0">
+                <a:solidFill>
+                  <a:schemeClr val="bg1"/>
+                </a:solidFill>
+                <a:latin typeface="Century Schoolbook" charset="0"/>
+                <a:ea typeface="Century Schoolbook" charset="0"/>
+                <a:cs typeface="Century Schoolbook" charset="0"/>
+              </a:rPr>
+              <a:t>Use </a:t>
+            </a:r>
+            <a:r>
+              <a:rPr lang="en-US" sz="2400" dirty="0" err="1" smtClean="0">
+                <a:solidFill>
+                  <a:schemeClr val="bg1"/>
+                </a:solidFill>
+                <a:latin typeface="Century Schoolbook" charset="0"/>
+                <a:ea typeface="Century Schoolbook" charset="0"/>
+                <a:cs typeface="Century Schoolbook" charset="0"/>
+              </a:rPr>
+              <a:t>bokeh</a:t>
+            </a:r>
+            <a:r>
+              <a:rPr lang="en-US" sz="2400" dirty="0" smtClean="0">
+                <a:solidFill>
+                  <a:schemeClr val="bg1"/>
+                </a:solidFill>
+                <a:latin typeface="Century Schoolbook" charset="0"/>
+                <a:ea typeface="Century Schoolbook" charset="0"/>
+                <a:cs typeface="Century Schoolbook" charset="0"/>
+              </a:rPr>
+              <a:t> to provide interactive visualization for large data sets without significant delay in rendering graphs.</a:t>
+            </a:r>
+            <a:endParaRPr lang="en-US" sz="2400" dirty="0">
+              <a:solidFill>
+                <a:schemeClr val="bg1"/>
+              </a:solidFill>
+              <a:latin typeface="Century Schoolbook" charset="0"/>
+              <a:ea typeface="Century Schoolbook" charset="0"/>
+              <a:cs typeface="Century Schoolbook" charset="0"/>
+            </a:endParaRPr>
+          </a:p>
+        </p:txBody>
+      </p:sp>
+    </p:spTree>
+    <p:extLst>
+      <p:ext uri="{BB962C8B-B14F-4D97-AF65-F5344CB8AC3E}">
+        <p14:creationId xmlns:p14="http://schemas.microsoft.com/office/powerpoint/2010/main" val="1658253699"/>
+      </p:ext>
+    </p:extLst>
+  </p:cSld>
+  <p:clrMapOvr>
+    <a:masterClrMapping/>
+  </p:clrMapOvr>
+  <p:timing>
+    <p:tnLst>
+      <p:par>
+        <p:cTn id="1" dur="indefinite" restart="never" nodeType="tmRoot"/>
+      </p:par>
+    </p:tnLst>
+  </p:timing>
+</p:sld>
+</file>
+
+<file path=ppt/slides/slide5.xml><?xml version="1.0" encoding="utf-8"?>
+<p:sld xmlns:a="http://schemas.openxmlformats.org/drawingml/2006/main" xmlns:r="http://schemas.openxmlformats.org/officeDocument/2006/relationships" xmlns:p="http://schemas.openxmlformats.org/presentationml/2006/main">
+  <p:cSld>
     <p:spTree>
       <p:nvGrpSpPr>
         <p:cNvPr id="1" name=""/>
@@ -3938,7 +4343,7 @@
 </p:sld>
 </file>
 
-<file path=ppt/slides/slide5.xml><?xml version="1.0" encoding="utf-8"?>
+<file path=ppt/slides/slide6.xml><?xml version="1.0" encoding="utf-8"?>
 <p:sld xmlns:a="http://schemas.openxmlformats.org/drawingml/2006/main" xmlns:r="http://schemas.openxmlformats.org/officeDocument/2006/relationships" xmlns:p="http://schemas.openxmlformats.org/presentationml/2006/main">
   <p:cSld>
     <p:bg>
@@ -4138,205 +4543,6 @@
     <p:extLst>
       <p:ext uri="{BB962C8B-B14F-4D97-AF65-F5344CB8AC3E}">
         <p14:creationId xmlns:p14="http://schemas.microsoft.com/office/powerpoint/2010/main" val="615504902"/>
-      </p:ext>
-    </p:extLst>
-  </p:cSld>
-  <p:clrMapOvr>
-    <a:masterClrMapping/>
-  </p:clrMapOvr>
-  <p:timing>
-    <p:tnLst>
-      <p:par>
-        <p:cTn id="1" dur="indefinite" restart="never" nodeType="tmRoot"/>
-      </p:par>
-    </p:tnLst>
-  </p:timing>
-</p:sld>
-</file>
-
-<file path=ppt/slides/slide6.xml><?xml version="1.0" encoding="utf-8"?>
-<p:sld xmlns:a="http://schemas.openxmlformats.org/drawingml/2006/main" xmlns:r="http://schemas.openxmlformats.org/officeDocument/2006/relationships" xmlns:p="http://schemas.openxmlformats.org/presentationml/2006/main">
-  <p:cSld>
-    <p:bg>
-      <p:bgPr>
-        <a:solidFill>
-          <a:srgbClr val="123634"/>
-        </a:solidFill>
-        <a:effectLst/>
-      </p:bgPr>
-    </p:bg>
-    <p:spTree>
-      <p:nvGrpSpPr>
-        <p:cNvPr id="1" name=""/>
-        <p:cNvGrpSpPr/>
-        <p:nvPr/>
-      </p:nvGrpSpPr>
-      <p:grpSpPr>
-        <a:xfrm>
-          <a:off x="0" y="0"/>
-          <a:ext cx="0" cy="0"/>
-          <a:chOff x="0" y="0"/>
-          <a:chExt cx="0" cy="0"/>
-        </a:xfrm>
-      </p:grpSpPr>
-      <p:sp>
-        <p:nvSpPr>
-          <p:cNvPr id="2" name="TextBox 1"/>
-          <p:cNvSpPr txBox="1"/>
-          <p:nvPr/>
-        </p:nvSpPr>
-        <p:spPr>
-          <a:xfrm>
-            <a:off x="2033333" y="721899"/>
-            <a:ext cx="7988968" cy="707886"/>
-          </a:xfrm>
-          <a:prstGeom prst="rect">
-            <a:avLst/>
-          </a:prstGeom>
-          <a:noFill/>
-        </p:spPr>
-        <p:txBody>
-          <a:bodyPr wrap="square" rtlCol="0">
-            <a:spAutoFit/>
-          </a:bodyPr>
-          <a:lstStyle/>
-          <a:p>
-            <a:pPr algn="ctr"/>
-            <a:r>
-              <a:rPr lang="en-US" sz="4000" dirty="0" smtClean="0">
-                <a:solidFill>
-                  <a:schemeClr val="bg1"/>
-                </a:solidFill>
-                <a:latin typeface="Century Schoolbook" charset="0"/>
-                <a:ea typeface="Century Schoolbook" charset="0"/>
-                <a:cs typeface="Century Schoolbook" charset="0"/>
-              </a:rPr>
-              <a:t>Challenge Restatement</a:t>
-            </a:r>
-            <a:endParaRPr lang="en-US" sz="4000" dirty="0">
-              <a:solidFill>
-                <a:schemeClr val="bg1"/>
-              </a:solidFill>
-              <a:latin typeface="Century Schoolbook" charset="0"/>
-              <a:ea typeface="Century Schoolbook" charset="0"/>
-              <a:cs typeface="Century Schoolbook" charset="0"/>
-            </a:endParaRPr>
-          </a:p>
-        </p:txBody>
-      </p:sp>
-      <p:sp>
-        <p:nvSpPr>
-          <p:cNvPr id="3" name="TextBox 2"/>
-          <p:cNvSpPr txBox="1"/>
-          <p:nvPr/>
-        </p:nvSpPr>
-        <p:spPr>
-          <a:xfrm>
-            <a:off x="806116" y="2899611"/>
-            <a:ext cx="10792326" cy="1569660"/>
-          </a:xfrm>
-          <a:prstGeom prst="rect">
-            <a:avLst/>
-          </a:prstGeom>
-          <a:noFill/>
-        </p:spPr>
-        <p:txBody>
-          <a:bodyPr wrap="square" rtlCol="0">
-            <a:spAutoFit/>
-          </a:bodyPr>
-          <a:lstStyle/>
-          <a:p>
-            <a:pPr marL="285750" indent="-285750">
-              <a:buFont typeface="Arial" charset="0"/>
-              <a:buChar char="•"/>
-            </a:pPr>
-            <a:r>
-              <a:rPr lang="en-US" sz="2400" dirty="0" smtClean="0">
-                <a:solidFill>
-                  <a:schemeClr val="bg1"/>
-                </a:solidFill>
-                <a:latin typeface="Century Schoolbook" charset="0"/>
-                <a:ea typeface="Century Schoolbook" charset="0"/>
-                <a:cs typeface="Century Schoolbook" charset="0"/>
-              </a:rPr>
-              <a:t>Re-build </a:t>
-            </a:r>
-            <a:r>
-              <a:rPr lang="en-US" sz="2400" dirty="0" err="1" smtClean="0">
-                <a:solidFill>
-                  <a:schemeClr val="bg1"/>
-                </a:solidFill>
-                <a:latin typeface="Century Schoolbook" charset="0"/>
-                <a:ea typeface="Century Schoolbook" charset="0"/>
-                <a:cs typeface="Century Schoolbook" charset="0"/>
-              </a:rPr>
-              <a:t>seistool</a:t>
-            </a:r>
-            <a:r>
-              <a:rPr lang="en-US" sz="2400" dirty="0" smtClean="0">
-                <a:solidFill>
-                  <a:schemeClr val="bg1"/>
-                </a:solidFill>
-                <a:latin typeface="Century Schoolbook" charset="0"/>
-                <a:ea typeface="Century Schoolbook" charset="0"/>
-                <a:cs typeface="Century Schoolbook" charset="0"/>
-              </a:rPr>
-              <a:t> as a web based application to enable visualization and analysis of earthquake data.</a:t>
-            </a:r>
-          </a:p>
-          <a:p>
-            <a:pPr marL="285750" indent="-285750">
-              <a:buFont typeface="Arial" charset="0"/>
-              <a:buChar char="•"/>
-            </a:pPr>
-            <a:r>
-              <a:rPr lang="en-US" sz="2400" dirty="0" smtClean="0">
-                <a:solidFill>
-                  <a:schemeClr val="bg1"/>
-                </a:solidFill>
-                <a:latin typeface="Century Schoolbook" charset="0"/>
-                <a:ea typeface="Century Schoolbook" charset="0"/>
-                <a:cs typeface="Century Schoolbook" charset="0"/>
-              </a:rPr>
-              <a:t>Use </a:t>
-            </a:r>
-            <a:r>
-              <a:rPr lang="en-US" sz="2400" dirty="0" err="1" smtClean="0">
-                <a:solidFill>
-                  <a:schemeClr val="bg1"/>
-                </a:solidFill>
-                <a:latin typeface="Century Schoolbook" charset="0"/>
-                <a:ea typeface="Century Schoolbook" charset="0"/>
-                <a:cs typeface="Century Schoolbook" charset="0"/>
-              </a:rPr>
-              <a:t>bokeh</a:t>
-            </a:r>
-            <a:r>
-              <a:rPr lang="en-US" sz="2400" dirty="0" smtClean="0">
-                <a:solidFill>
-                  <a:schemeClr val="bg1"/>
-                </a:solidFill>
-                <a:latin typeface="Century Schoolbook" charset="0"/>
-                <a:ea typeface="Century Schoolbook" charset="0"/>
-                <a:cs typeface="Century Schoolbook" charset="0"/>
-              </a:rPr>
-              <a:t> to provide interactive visualization for large data sets without significant delay in rendering graphs.</a:t>
-            </a:r>
-            <a:endParaRPr lang="en-US" sz="2400" dirty="0">
-              <a:solidFill>
-                <a:schemeClr val="bg1"/>
-              </a:solidFill>
-              <a:latin typeface="Century Schoolbook" charset="0"/>
-              <a:ea typeface="Century Schoolbook" charset="0"/>
-              <a:cs typeface="Century Schoolbook" charset="0"/>
-            </a:endParaRPr>
-          </a:p>
-        </p:txBody>
-      </p:sp>
-    </p:spTree>
-    <p:extLst>
-      <p:ext uri="{BB962C8B-B14F-4D97-AF65-F5344CB8AC3E}">
-        <p14:creationId xmlns:p14="http://schemas.microsoft.com/office/powerpoint/2010/main" val="1658253699"/>
       </p:ext>
     </p:extLst>
   </p:cSld>
